--- a/doc/SPI.pptx
+++ b/doc/SPI.pptx
@@ -840,7 +840,7 @@
           <a:p>
             <a:fld id="{1B3F954E-9B2A-47E3-BC2C-25C9DDE1BB28}" type="datetimeFigureOut">
               <a:rPr lang="en-US" smtClean="0"/>
-              <a:t>5/17/2025</a:t>
+              <a:t>6/5/2025</a:t>
             </a:fld>
             <a:endParaRPr lang="en-US" dirty="0"/>
           </a:p>
@@ -1091,7 +1091,7 @@
           <a:p>
             <a:fld id="{1B3F954E-9B2A-47E3-BC2C-25C9DDE1BB28}" type="datetimeFigureOut">
               <a:rPr lang="en-US" smtClean="0"/>
-              <a:t>5/17/2025</a:t>
+              <a:t>6/5/2025</a:t>
             </a:fld>
             <a:endParaRPr lang="en-US" dirty="0"/>
           </a:p>
@@ -1405,7 +1405,7 @@
           <a:p>
             <a:fld id="{1B3F954E-9B2A-47E3-BC2C-25C9DDE1BB28}" type="datetimeFigureOut">
               <a:rPr lang="en-US" smtClean="0"/>
-              <a:t>5/17/2025</a:t>
+              <a:t>6/5/2025</a:t>
             </a:fld>
             <a:endParaRPr lang="en-US" dirty="0"/>
           </a:p>
@@ -1746,7 +1746,7 @@
           <a:p>
             <a:fld id="{1B3F954E-9B2A-47E3-BC2C-25C9DDE1BB28}" type="datetimeFigureOut">
               <a:rPr lang="en-US" smtClean="0"/>
-              <a:t>5/17/2025</a:t>
+              <a:t>6/5/2025</a:t>
             </a:fld>
             <a:endParaRPr lang="en-US" dirty="0"/>
           </a:p>
@@ -2060,7 +2060,7 @@
           <a:p>
             <a:fld id="{1B3F954E-9B2A-47E3-BC2C-25C9DDE1BB28}" type="datetimeFigureOut">
               <a:rPr lang="en-US" smtClean="0"/>
-              <a:t>5/17/2025</a:t>
+              <a:t>6/5/2025</a:t>
             </a:fld>
             <a:endParaRPr lang="en-US" dirty="0"/>
           </a:p>
@@ -2453,7 +2453,7 @@
           <a:p>
             <a:fld id="{1B3F954E-9B2A-47E3-BC2C-25C9DDE1BB28}" type="datetimeFigureOut">
               <a:rPr lang="en-US" smtClean="0"/>
-              <a:t>5/17/2025</a:t>
+              <a:t>6/5/2025</a:t>
             </a:fld>
             <a:endParaRPr lang="en-US" dirty="0"/>
           </a:p>
@@ -2623,7 +2623,7 @@
           <a:p>
             <a:fld id="{1B3F954E-9B2A-47E3-BC2C-25C9DDE1BB28}" type="datetimeFigureOut">
               <a:rPr lang="en-US" smtClean="0"/>
-              <a:t>5/17/2025</a:t>
+              <a:t>6/5/2025</a:t>
             </a:fld>
             <a:endParaRPr lang="en-US" dirty="0"/>
           </a:p>
@@ -2803,7 +2803,7 @@
           <a:p>
             <a:fld id="{1B3F954E-9B2A-47E3-BC2C-25C9DDE1BB28}" type="datetimeFigureOut">
               <a:rPr lang="en-US" smtClean="0"/>
-              <a:t>5/17/2025</a:t>
+              <a:t>6/5/2025</a:t>
             </a:fld>
             <a:endParaRPr lang="en-US" dirty="0"/>
           </a:p>
@@ -2979,7 +2979,7 @@
           <a:p>
             <a:fld id="{1B3F954E-9B2A-47E3-BC2C-25C9DDE1BB28}" type="datetimeFigureOut">
               <a:rPr lang="en-US" smtClean="0"/>
-              <a:t>5/17/2025</a:t>
+              <a:t>6/5/2025</a:t>
             </a:fld>
             <a:endParaRPr lang="en-US" dirty="0"/>
           </a:p>
@@ -3226,7 +3226,7 @@
           <a:p>
             <a:fld id="{1B3F954E-9B2A-47E3-BC2C-25C9DDE1BB28}" type="datetimeFigureOut">
               <a:rPr lang="en-US" smtClean="0"/>
-              <a:t>5/17/2025</a:t>
+              <a:t>6/5/2025</a:t>
             </a:fld>
             <a:endParaRPr lang="en-US" dirty="0"/>
           </a:p>
@@ -3458,7 +3458,7 @@
           <a:p>
             <a:fld id="{1B3F954E-9B2A-47E3-BC2C-25C9DDE1BB28}" type="datetimeFigureOut">
               <a:rPr lang="en-US" smtClean="0"/>
-              <a:t>5/17/2025</a:t>
+              <a:t>6/5/2025</a:t>
             </a:fld>
             <a:endParaRPr lang="en-US" dirty="0"/>
           </a:p>
@@ -3832,7 +3832,7 @@
           <a:p>
             <a:fld id="{1B3F954E-9B2A-47E3-BC2C-25C9DDE1BB28}" type="datetimeFigureOut">
               <a:rPr lang="en-US" smtClean="0"/>
-              <a:t>5/17/2025</a:t>
+              <a:t>6/5/2025</a:t>
             </a:fld>
             <a:endParaRPr lang="en-US" dirty="0"/>
           </a:p>
@@ -3955,7 +3955,7 @@
           <a:p>
             <a:fld id="{1B3F954E-9B2A-47E3-BC2C-25C9DDE1BB28}" type="datetimeFigureOut">
               <a:rPr lang="en-US" smtClean="0"/>
-              <a:t>5/17/2025</a:t>
+              <a:t>6/5/2025</a:t>
             </a:fld>
             <a:endParaRPr lang="en-US" dirty="0"/>
           </a:p>
@@ -4050,7 +4050,7 @@
           <a:p>
             <a:fld id="{1B3F954E-9B2A-47E3-BC2C-25C9DDE1BB28}" type="datetimeFigureOut">
               <a:rPr lang="en-US" smtClean="0"/>
-              <a:t>5/17/2025</a:t>
+              <a:t>6/5/2025</a:t>
             </a:fld>
             <a:endParaRPr lang="en-US" dirty="0"/>
           </a:p>
@@ -4305,7 +4305,7 @@
           <a:p>
             <a:fld id="{1B3F954E-9B2A-47E3-BC2C-25C9DDE1BB28}" type="datetimeFigureOut">
               <a:rPr lang="en-US" smtClean="0"/>
-              <a:t>5/17/2025</a:t>
+              <a:t>6/5/2025</a:t>
             </a:fld>
             <a:endParaRPr lang="en-US" dirty="0"/>
           </a:p>
@@ -4567,7 +4567,7 @@
           <a:p>
             <a:fld id="{1B3F954E-9B2A-47E3-BC2C-25C9DDE1BB28}" type="datetimeFigureOut">
               <a:rPr lang="en-US" smtClean="0"/>
-              <a:t>5/17/2025</a:t>
+              <a:t>6/5/2025</a:t>
             </a:fld>
             <a:endParaRPr lang="en-US" dirty="0"/>
           </a:p>
@@ -5310,7 +5310,7 @@
           <a:p>
             <a:fld id="{1B3F954E-9B2A-47E3-BC2C-25C9DDE1BB28}" type="datetimeFigureOut">
               <a:rPr lang="en-US" smtClean="0"/>
-              <a:t>5/17/2025</a:t>
+              <a:t>6/5/2025</a:t>
             </a:fld>
             <a:endParaRPr lang="en-US" dirty="0"/>
           </a:p>
@@ -6409,7 +6409,7 @@
                   <a:srgbClr val="091E42"/>
                 </a:solidFill>
               </a:rPr>
-              <a:t>Команда чтения хранится в памяти </a:t>
+              <a:t>После разрешающего сигнала с кнопки команды передаются из </a:t>
             </a:r>
             <a:r>
               <a:rPr lang="en-US" dirty="0" err="1">
@@ -6417,7 +6417,15 @@
                   <a:srgbClr val="091E42"/>
                 </a:solidFill>
               </a:rPr>
-              <a:t>tx_memory</a:t>
+              <a:t>fsm</a:t>
+            </a:r>
+            <a:r>
+              <a:rPr lang="en-US" dirty="0">
+                <a:solidFill>
+                  <a:srgbClr val="091E42"/>
+                </a:solidFill>
+              </a:rPr>
+              <a:t>, </a:t>
             </a:r>
             <a:r>
               <a:rPr lang="ru-RU" dirty="0">
@@ -6425,7 +6433,39 @@
                   <a:srgbClr val="091E42"/>
                 </a:solidFill>
               </a:rPr>
-              <a:t> и после разрешающего сигнала с кнопки передаётся в модуль </a:t>
+              <a:t>преобразуются в комбинационном блоке </a:t>
+            </a:r>
+            <a:r>
+              <a:rPr lang="en-US" dirty="0">
+                <a:solidFill>
+                  <a:srgbClr val="091E42"/>
+                </a:solidFill>
+              </a:rPr>
+              <a:t>command maker</a:t>
+            </a:r>
+            <a:r>
+              <a:rPr lang="ru-RU" dirty="0">
+                <a:solidFill>
+                  <a:srgbClr val="091E42"/>
+                </a:solidFill>
+              </a:rPr>
+              <a:t>,</a:t>
+            </a:r>
+            <a:r>
+              <a:rPr lang="en-US" dirty="0">
+                <a:solidFill>
+                  <a:srgbClr val="091E42"/>
+                </a:solidFill>
+              </a:rPr>
+              <a:t> </a:t>
+            </a:r>
+            <a:r>
+              <a:rPr lang="ru-RU" dirty="0">
+                <a:solidFill>
+                  <a:srgbClr val="091E42"/>
+                </a:solidFill>
+              </a:rPr>
+              <a:t>и передаются в модуль </a:t>
             </a:r>
             <a:r>
               <a:rPr lang="en-US" dirty="0" err="1">
@@ -6449,7 +6489,23 @@
                   <a:srgbClr val="091E42"/>
                 </a:solidFill>
               </a:rPr>
-              <a:t>который должен передать данную команду.</a:t>
+              <a:t>который дальше должен передать данную команду через интерфейс</a:t>
+            </a:r>
+            <a:r>
+              <a:rPr lang="en-US" dirty="0">
+                <a:solidFill>
+                  <a:srgbClr val="091E42"/>
+                </a:solidFill>
+              </a:rPr>
+              <a:t> SPI</a:t>
+            </a:r>
+            <a:r>
+              <a:rPr lang="ru-RU" dirty="0">
+                <a:solidFill>
+                  <a:srgbClr val="091E42"/>
+                </a:solidFill>
+              </a:rPr>
+              <a:t>.</a:t>
             </a:r>
           </a:p>
           <a:p>
@@ -6506,7 +6562,7 @@
                   <a:srgbClr val="091E42"/>
                 </a:solidFill>
               </a:rPr>
-              <a:t>Считаем, что у модуля только один режим работы</a:t>
+              <a:t>У модуля только один режим работы</a:t>
             </a:r>
             <a:r>
               <a:rPr lang="en-US" dirty="0">
@@ -6522,10 +6578,10 @@
       </p:sp>
       <p:pic>
         <p:nvPicPr>
-          <p:cNvPr id="7" name="Picture 6">
+          <p:cNvPr id="5" name="Picture 4">
             <a:extLst>
               <a:ext uri="{FF2B5EF4-FFF2-40B4-BE49-F238E27FC236}">
-                <a16:creationId xmlns:a16="http://schemas.microsoft.com/office/drawing/2014/main" id="{3DFE0616-DFB7-487B-9CFA-E1790E3B2ABD}"/>
+                <a16:creationId xmlns:a16="http://schemas.microsoft.com/office/drawing/2014/main" id="{71F0E706-8440-48BE-B8E7-5C5DB5254889}"/>
               </a:ext>
             </a:extLst>
           </p:cNvPr>
@@ -6548,8 +6604,8 @@
         </p:blipFill>
         <p:spPr>
           <a:xfrm>
-            <a:off x="2965893" y="3966450"/>
-            <a:ext cx="4019550" cy="1914525"/>
+            <a:off x="2299143" y="4183602"/>
+            <a:ext cx="5353050" cy="1828800"/>
           </a:xfrm>
           <a:prstGeom prst="rect">
             <a:avLst/>
@@ -6675,7 +6731,23 @@
                   <a:srgbClr val="091E42"/>
                 </a:solidFill>
               </a:rPr>
-              <a:t>равна 40 </a:t>
+              <a:t>равна </a:t>
+            </a:r>
+            <a:r>
+              <a:rPr lang="en-US" dirty="0">
+                <a:solidFill>
+                  <a:srgbClr val="091E42"/>
+                </a:solidFill>
+              </a:rPr>
+              <a:t>25</a:t>
+            </a:r>
+            <a:r>
+              <a:rPr lang="ru-RU" dirty="0">
+                <a:solidFill>
+                  <a:srgbClr val="091E42"/>
+                </a:solidFill>
+              </a:rPr>
+              <a:t> </a:t>
             </a:r>
             <a:r>
               <a:rPr lang="ru-RU" dirty="0" err="1">
@@ -6700,46 +6772,6 @@
                 </a:solidFill>
               </a:rPr>
               <a:t> </a:t>
-            </a:r>
-            <a:r>
-              <a:rPr lang="ru-RU" dirty="0">
-                <a:solidFill>
-                  <a:srgbClr val="091E42"/>
-                </a:solidFill>
-              </a:rPr>
-              <a:t>Взята реальная частота чипа  с </a:t>
-            </a:r>
-            <a:r>
-              <a:rPr lang="en-US" dirty="0">
-                <a:solidFill>
-                  <a:srgbClr val="091E42"/>
-                </a:solidFill>
-              </a:rPr>
-              <a:t>SPI-</a:t>
-            </a:r>
-            <a:r>
-              <a:rPr lang="ru-RU" dirty="0">
-                <a:solidFill>
-                  <a:srgbClr val="091E42"/>
-                </a:solidFill>
-              </a:rPr>
-              <a:t>интерфейсом </a:t>
-            </a:r>
-            <a:r>
-              <a:rPr lang="en-US" dirty="0">
-                <a:solidFill>
-                  <a:srgbClr val="091E42"/>
-                </a:solidFill>
-              </a:rPr>
-              <a:t>CY14B101PA</a:t>
-            </a:r>
-            <a:r>
-              <a:rPr lang="ru-RU" dirty="0">
-                <a:solidFill>
-                  <a:srgbClr val="091E42"/>
-                </a:solidFill>
-              </a:rPr>
-              <a:t>.</a:t>
             </a:r>
           </a:p>
           <a:p>
@@ -6828,7 +6860,7 @@
                   <a:srgbClr val="091E42"/>
                 </a:solidFill>
               </a:rPr>
-              <a:t>clk_40M</a:t>
+              <a:t>clk_25M</a:t>
             </a:r>
             <a:r>
               <a:rPr lang="ru-RU" dirty="0">
@@ -6847,10 +6879,10 @@
       </p:sp>
       <p:pic>
         <p:nvPicPr>
-          <p:cNvPr id="5" name="Picture 4">
+          <p:cNvPr id="6" name="Picture 5">
             <a:extLst>
               <a:ext uri="{FF2B5EF4-FFF2-40B4-BE49-F238E27FC236}">
-                <a16:creationId xmlns:a16="http://schemas.microsoft.com/office/drawing/2014/main" id="{835022AA-566D-4766-B7C4-863411050AFF}"/>
+                <a16:creationId xmlns:a16="http://schemas.microsoft.com/office/drawing/2014/main" id="{A937E2C2-67FE-42EF-B1AF-AC5623F9CD68}"/>
               </a:ext>
             </a:extLst>
           </p:cNvPr>
@@ -6873,8 +6905,8 @@
         </p:blipFill>
         <p:spPr>
           <a:xfrm>
-            <a:off x="1933974" y="3946526"/>
-            <a:ext cx="5362575" cy="1962150"/>
+            <a:off x="1580005" y="3619360"/>
+            <a:ext cx="6791325" cy="2105025"/>
           </a:xfrm>
           <a:prstGeom prst="rect">
             <a:avLst/>
@@ -6990,40 +7022,11 @@
             </a:r>
             <a:r>
               <a:rPr lang="en-US" dirty="0"/>
-              <a:t>command encoder.</a:t>
+              <a:t>command encoder. </a:t>
             </a:r>
             <a:r>
               <a:rPr lang="ru-RU" dirty="0"/>
-              <a:t> Если пришедшая команда совпадает с заранее заданной командой в </a:t>
-            </a:r>
-            <a:r>
-              <a:rPr lang="en-US" dirty="0"/>
-              <a:t>command encoder, </a:t>
-            </a:r>
-            <a:r>
-              <a:rPr lang="ru-RU" dirty="0"/>
-              <a:t>то начинается процесс её выполнения.</a:t>
-            </a:r>
-            <a:endParaRPr lang="en-US" dirty="0"/>
-          </a:p>
-          <a:p>
-            <a:r>
-              <a:rPr lang="ru-RU" dirty="0"/>
-              <a:t>В нашем случае есть только команда чтения, но при желании можно расширить пул команд. Например, ввести команду записи и т.д.</a:t>
-            </a:r>
-          </a:p>
-          <a:p>
-            <a:r>
-              <a:rPr lang="ru-RU" dirty="0"/>
-              <a:t>Команда чтения разрешает считывание данных из памяти </a:t>
-            </a:r>
-            <a:r>
-              <a:rPr lang="en-US" dirty="0"/>
-              <a:t>memory </a:t>
-            </a:r>
-            <a:r>
-              <a:rPr lang="ru-RU" dirty="0"/>
-              <a:t>и передачу их в модуль </a:t>
+              <a:t>Для АЦП отсчитывается ещё одна команда от модуля </a:t>
             </a:r>
             <a:r>
               <a:rPr lang="en-US" dirty="0" err="1"/>
@@ -7031,7 +7034,38 @@
             </a:r>
             <a:r>
               <a:rPr lang="en-US" dirty="0"/>
-              <a:t>.</a:t>
+              <a:t>, </a:t>
+            </a:r>
+            <a:r>
+              <a:rPr lang="ru-RU" dirty="0"/>
+              <a:t>после начинается процесс передачи ответных данных.</a:t>
+            </a:r>
+            <a:endParaRPr lang="en-US" dirty="0"/>
+          </a:p>
+          <a:p>
+            <a:r>
+              <a:rPr lang="ru-RU" dirty="0"/>
+              <a:t>Ответные данные не несут валидной информации. Модуль </a:t>
+            </a:r>
+            <a:r>
+              <a:rPr lang="en-US" dirty="0" err="1"/>
+              <a:t>SPI_slave</a:t>
+            </a:r>
+            <a:r>
+              <a:rPr lang="en-US" dirty="0"/>
+              <a:t> </a:t>
+            </a:r>
+            <a:r>
+              <a:rPr lang="ru-RU" dirty="0"/>
+              <a:t>должен эмулировать ответ. Для анализа ответных данных требуется модифицировать </a:t>
+            </a:r>
+            <a:r>
+              <a:rPr lang="en-US" dirty="0" err="1"/>
+              <a:t>SPI_master</a:t>
+            </a:r>
+            <a:r>
+              <a:rPr lang="ru-RU" dirty="0"/>
+              <a:t>, что не входит в текущие задачи.</a:t>
             </a:r>
           </a:p>
           <a:p>
@@ -7044,10 +7078,10 @@
       </p:sp>
       <p:pic>
         <p:nvPicPr>
-          <p:cNvPr id="7" name="Picture 6">
+          <p:cNvPr id="5" name="Picture 4">
             <a:extLst>
               <a:ext uri="{FF2B5EF4-FFF2-40B4-BE49-F238E27FC236}">
-                <a16:creationId xmlns:a16="http://schemas.microsoft.com/office/drawing/2014/main" id="{A3B0B9C2-5288-4C64-8DFE-1B64F9B3F3C5}"/>
+                <a16:creationId xmlns:a16="http://schemas.microsoft.com/office/drawing/2014/main" id="{CD4B541A-5904-4EBA-893A-8CEE28B4CDF3}"/>
               </a:ext>
             </a:extLst>
           </p:cNvPr>
@@ -7070,8 +7104,8 @@
         </p:blipFill>
         <p:spPr>
           <a:xfrm>
-            <a:off x="1537143" y="4077990"/>
-            <a:ext cx="6877050" cy="2076450"/>
+            <a:off x="1537143" y="4002395"/>
+            <a:ext cx="6877050" cy="2066925"/>
           </a:xfrm>
           <a:prstGeom prst="rect">
             <a:avLst/>
